--- a/python-data/slides/07_ncgen_ncdump_cdl.pptx
+++ b/python-data/slides/07_ncgen_ncdump_cdl.pptx
@@ -265,7 +265,7 @@
               <a:pPr>
                 <a:defRPr/>
               </a:pPr>
-              <a:t>09/10/2018</a:t>
+              <a:t>28/02/2023</a:t>
             </a:fld>
             <a:endParaRPr lang="en-GB" dirty="0"/>
           </a:p>
@@ -301,7 +301,7 @@
           <a:lstStyle/>
           <a:p>
             <a:pPr lvl="0"/>
-            <a:endParaRPr lang="en-GB" noProof="0" smtClean="0"/>
+            <a:endParaRPr lang="en-GB" noProof="0"/>
           </a:p>
         </p:txBody>
       </p:sp>
@@ -330,38 +330,38 @@
           <a:p>
             <a:pPr lvl="0"/>
             <a:r>
-              <a:rPr lang="en-US" noProof="0" smtClean="0"/>
+              <a:rPr lang="en-US" noProof="0"/>
               <a:t>Click to edit Master text styles</a:t>
             </a:r>
           </a:p>
           <a:p>
             <a:pPr lvl="1"/>
             <a:r>
-              <a:rPr lang="en-US" noProof="0" smtClean="0"/>
+              <a:rPr lang="en-US" noProof="0"/>
               <a:t>Second level</a:t>
             </a:r>
           </a:p>
           <a:p>
             <a:pPr lvl="2"/>
             <a:r>
-              <a:rPr lang="en-US" noProof="0" smtClean="0"/>
+              <a:rPr lang="en-US" noProof="0"/>
               <a:t>Third level</a:t>
             </a:r>
           </a:p>
           <a:p>
             <a:pPr lvl="3"/>
             <a:r>
-              <a:rPr lang="en-US" noProof="0" smtClean="0"/>
+              <a:rPr lang="en-US" noProof="0"/>
               <a:t>Fourth level</a:t>
             </a:r>
           </a:p>
           <a:p>
             <a:pPr lvl="4"/>
             <a:r>
-              <a:rPr lang="en-US" noProof="0" smtClean="0"/>
+              <a:rPr lang="en-US" noProof="0"/>
               <a:t>Fifth level</a:t>
             </a:r>
-            <a:endParaRPr lang="en-GB" noProof="0" smtClean="0"/>
+            <a:endParaRPr lang="en-GB" noProof="0"/>
           </a:p>
         </p:txBody>
       </p:sp>
@@ -837,7 +837,7 @@
                 <a:spcPct val="0"/>
               </a:spcBef>
             </a:pPr>
-            <a:endParaRPr lang="en-US" altLang="en-US" smtClean="0"/>
+            <a:endParaRPr lang="en-US" altLang="en-US"/>
           </a:p>
         </p:txBody>
       </p:sp>
@@ -1108,7 +1108,7 @@
                 <a:spcPct val="0"/>
               </a:spcBef>
             </a:pPr>
-            <a:endParaRPr lang="en-US" altLang="en-US" smtClean="0"/>
+            <a:endParaRPr lang="en-US" altLang="en-US"/>
           </a:p>
         </p:txBody>
       </p:sp>
@@ -1379,7 +1379,7 @@
                 <a:spcPct val="0"/>
               </a:spcBef>
             </a:pPr>
-            <a:endParaRPr lang="en-US" altLang="en-US" smtClean="0"/>
+            <a:endParaRPr lang="en-US" altLang="en-US"/>
           </a:p>
         </p:txBody>
       </p:sp>
@@ -1650,7 +1650,7 @@
                 <a:spcPct val="0"/>
               </a:spcBef>
             </a:pPr>
-            <a:endParaRPr lang="en-US" altLang="en-US" smtClean="0"/>
+            <a:endParaRPr lang="en-US" altLang="en-US"/>
           </a:p>
         </p:txBody>
       </p:sp>
@@ -1875,7 +1875,7 @@
           </a:lstStyle>
           <a:p>
             <a:r>
-              <a:rPr lang="en-US" smtClean="0"/>
+              <a:rPr lang="en-US"/>
               <a:t>Click to edit Master title style</a:t>
             </a:r>
             <a:endParaRPr lang="en-US" dirty="0"/>
@@ -1951,7 +1951,7 @@
           </a:lstStyle>
           <a:p>
             <a:r>
-              <a:rPr lang="en-US" smtClean="0"/>
+              <a:rPr lang="en-US"/>
               <a:t>Click to edit Master subtitle style</a:t>
             </a:r>
             <a:endParaRPr lang="en-US" dirty="0"/>
@@ -2057,7 +2057,7 @@
           </a:lstStyle>
           <a:p>
             <a:r>
-              <a:rPr lang="en-US" smtClean="0"/>
+              <a:rPr lang="en-US"/>
               <a:t>Click to edit Master title style</a:t>
             </a:r>
             <a:endParaRPr lang="en-US" dirty="0"/>
@@ -2104,7 +2104,7 @@
           <a:p>
             <a:pPr lvl="0"/>
             <a:r>
-              <a:rPr lang="en-US" noProof="0" dirty="0" smtClean="0"/>
+              <a:rPr lang="en-US" noProof="0" dirty="0"/>
               <a:t>Click icon to add picture</a:t>
             </a:r>
             <a:endParaRPr lang="en-GB" noProof="0" dirty="0"/>
@@ -2162,28 +2162,28 @@
           <a:p>
             <a:pPr lvl="0"/>
             <a:r>
-              <a:rPr lang="en-US" smtClean="0"/>
+              <a:rPr lang="en-US"/>
               <a:t>Edit Master text styles</a:t>
             </a:r>
           </a:p>
           <a:p>
             <a:pPr lvl="1"/>
             <a:r>
-              <a:rPr lang="en-US" smtClean="0"/>
+              <a:rPr lang="en-US"/>
               <a:t>Second level</a:t>
             </a:r>
           </a:p>
           <a:p>
             <a:pPr lvl="2"/>
             <a:r>
-              <a:rPr lang="en-US" smtClean="0"/>
+              <a:rPr lang="en-US"/>
               <a:t>Third level</a:t>
             </a:r>
           </a:p>
           <a:p>
             <a:pPr lvl="3"/>
             <a:r>
-              <a:rPr lang="en-US" smtClean="0"/>
+              <a:rPr lang="en-US"/>
               <a:t>Fourth level</a:t>
             </a:r>
           </a:p>
@@ -2288,7 +2288,7 @@
           </a:lstStyle>
           <a:p>
             <a:r>
-              <a:rPr lang="en-US" smtClean="0"/>
+              <a:rPr lang="en-US"/>
               <a:t>Click to edit Master title style</a:t>
             </a:r>
             <a:endParaRPr lang="en-US" dirty="0"/>
@@ -2346,28 +2346,28 @@
           <a:p>
             <a:pPr lvl="0"/>
             <a:r>
-              <a:rPr lang="en-US" smtClean="0"/>
+              <a:rPr lang="en-US"/>
               <a:t>Edit Master text styles</a:t>
             </a:r>
           </a:p>
           <a:p>
             <a:pPr lvl="1"/>
             <a:r>
-              <a:rPr lang="en-US" smtClean="0"/>
+              <a:rPr lang="en-US"/>
               <a:t>Second level</a:t>
             </a:r>
           </a:p>
           <a:p>
             <a:pPr lvl="2"/>
             <a:r>
-              <a:rPr lang="en-US" smtClean="0"/>
+              <a:rPr lang="en-US"/>
               <a:t>Third level</a:t>
             </a:r>
           </a:p>
           <a:p>
             <a:pPr lvl="3"/>
             <a:r>
-              <a:rPr lang="en-US" smtClean="0"/>
+              <a:rPr lang="en-US"/>
               <a:t>Fourth level</a:t>
             </a:r>
           </a:p>
@@ -2447,7 +2447,7 @@
           </a:lstStyle>
           <a:p>
             <a:r>
-              <a:rPr lang="en-US" smtClean="0"/>
+              <a:rPr lang="en-US"/>
               <a:t>Click to edit Master title style</a:t>
             </a:r>
             <a:endParaRPr lang="en-US" dirty="0"/>
@@ -2521,7 +2521,7 @@
           </a:lstStyle>
           <a:p>
             <a:r>
-              <a:rPr lang="en-US" smtClean="0"/>
+              <a:rPr lang="en-US"/>
               <a:t>Click to edit Master subtitle style</a:t>
             </a:r>
             <a:endParaRPr lang="en-US" dirty="0"/>
@@ -2593,7 +2593,7 @@
               <a:pPr>
                 <a:defRPr/>
               </a:pPr>
-              <a:t>09/10/2018</a:t>
+              <a:t>28/02/2023</a:t>
             </a:fld>
             <a:endParaRPr lang="en-GB" dirty="0"/>
           </a:p>
@@ -2720,7 +2720,7 @@
           <a:lstStyle/>
           <a:p>
             <a:r>
-              <a:rPr lang="en-US" smtClean="0"/>
+              <a:rPr lang="en-US"/>
               <a:t>Click to edit Master title style</a:t>
             </a:r>
             <a:endParaRPr lang="en-GB"/>
@@ -2744,35 +2744,35 @@
           <a:p>
             <a:pPr lvl="0"/>
             <a:r>
-              <a:rPr lang="en-US" smtClean="0"/>
+              <a:rPr lang="en-US"/>
               <a:t>Click to edit Master text styles</a:t>
             </a:r>
           </a:p>
           <a:p>
             <a:pPr lvl="1"/>
             <a:r>
-              <a:rPr lang="en-US" smtClean="0"/>
+              <a:rPr lang="en-US"/>
               <a:t>Second level</a:t>
             </a:r>
           </a:p>
           <a:p>
             <a:pPr lvl="2"/>
             <a:r>
-              <a:rPr lang="en-US" smtClean="0"/>
+              <a:rPr lang="en-US"/>
               <a:t>Third level</a:t>
             </a:r>
           </a:p>
           <a:p>
             <a:pPr lvl="3"/>
             <a:r>
-              <a:rPr lang="en-US" smtClean="0"/>
+              <a:rPr lang="en-US"/>
               <a:t>Fourth level</a:t>
             </a:r>
           </a:p>
           <a:p>
             <a:pPr lvl="4"/>
             <a:r>
-              <a:rPr lang="en-US" smtClean="0"/>
+              <a:rPr lang="en-US"/>
               <a:t>Fifth level</a:t>
             </a:r>
             <a:endParaRPr lang="en-GB"/>
@@ -2814,7 +2814,7 @@
               <a:pPr>
                 <a:defRPr/>
               </a:pPr>
-              <a:t>09/10/2018</a:t>
+              <a:t>28/02/2023</a:t>
             </a:fld>
             <a:endParaRPr lang="en-GB" dirty="0"/>
           </a:p>
@@ -3151,35 +3151,35 @@
           <a:p>
             <a:pPr lvl="0"/>
             <a:r>
-              <a:rPr lang="en-US" altLang="en-US" smtClean="0"/>
+              <a:rPr lang="en-US" altLang="en-US"/>
               <a:t>Edit Master text styles</a:t>
             </a:r>
           </a:p>
           <a:p>
             <a:pPr lvl="1"/>
             <a:r>
-              <a:rPr lang="en-US" altLang="en-US" smtClean="0"/>
+              <a:rPr lang="en-US" altLang="en-US"/>
               <a:t>Second level</a:t>
             </a:r>
           </a:p>
           <a:p>
             <a:pPr lvl="2"/>
             <a:r>
-              <a:rPr lang="en-US" altLang="en-US" smtClean="0"/>
+              <a:rPr lang="en-US" altLang="en-US"/>
               <a:t>Third level</a:t>
             </a:r>
           </a:p>
           <a:p>
             <a:pPr lvl="3"/>
             <a:r>
-              <a:rPr lang="en-US" altLang="en-US" smtClean="0"/>
+              <a:rPr lang="en-US" altLang="en-US"/>
               <a:t>Fourth level</a:t>
             </a:r>
           </a:p>
           <a:p>
             <a:pPr lvl="4"/>
             <a:r>
-              <a:rPr lang="en-US" altLang="en-US" smtClean="0"/>
+              <a:rPr lang="en-US" altLang="en-US"/>
               <a:t>Fifth level</a:t>
             </a:r>
           </a:p>
@@ -3396,10 +3396,10 @@
           <a:p>
             <a:pPr lvl="0"/>
             <a:r>
-              <a:rPr lang="en-US" altLang="en-US" smtClean="0"/>
+              <a:rPr lang="en-US" altLang="en-US"/>
               <a:t>Click to edit Master title style</a:t>
             </a:r>
-            <a:endParaRPr lang="en-GB" altLang="en-US" smtClean="0"/>
+            <a:endParaRPr lang="en-GB" altLang="en-US"/>
           </a:p>
         </p:txBody>
       </p:sp>
@@ -3896,7 +3896,7 @@
           <a:lstStyle/>
           <a:p>
             <a:r>
-              <a:rPr lang="en-GB" altLang="en-US" smtClean="0"/>
+              <a:rPr lang="en-GB" altLang="en-US"/>
               <a:t>Read and Write Data</a:t>
             </a:r>
           </a:p>
@@ -3923,7 +3923,7 @@
           <a:lstStyle/>
           <a:p>
             <a:r>
-              <a:rPr lang="en-GB" altLang="en-US" smtClean="0"/>
+              <a:rPr lang="en-GB" altLang="en-US"/>
               <a:t>ncgen and ncdump to create/export NetCDF and CDL</a:t>
             </a:r>
           </a:p>
@@ -4072,7 +4072,7 @@
           <a:lstStyle/>
           <a:p>
             <a:r>
-              <a:rPr lang="en-US" altLang="en-US" sz="4000" b="1" smtClean="0"/>
+              <a:rPr lang="en-US" altLang="en-US" sz="4000" b="1"/>
               <a:t>Further information</a:t>
             </a:r>
           </a:p>
@@ -4110,7 +4110,7 @@
               <a:defRPr/>
             </a:pPr>
             <a:r>
-              <a:rPr lang="en-US" altLang="en-US" sz="3600" dirty="0" smtClean="0"/>
+              <a:rPr lang="en-US" altLang="en-US" sz="3600" dirty="0"/>
               <a:t>NetCDF:</a:t>
             </a:r>
           </a:p>
@@ -4127,12 +4127,12 @@
               <a:defRPr/>
             </a:pPr>
             <a:r>
-              <a:rPr lang="en-US" altLang="en-US" dirty="0" smtClean="0">
+              <a:rPr lang="en-US" altLang="en-US" dirty="0">
                 <a:hlinkClick r:id="rId3"/>
               </a:rPr>
               <a:t>https://www.unidata.ucar.edu/software/netcdf/</a:t>
             </a:r>
-            <a:endParaRPr lang="en-US" altLang="en-US" dirty="0" smtClean="0"/>
+            <a:endParaRPr lang="en-US" altLang="en-US" dirty="0"/>
           </a:p>
           <a:p>
             <a:pPr marL="457200" lvl="1" indent="0" fontAlgn="auto">
@@ -4146,7 +4146,7 @@
               <a:buNone/>
               <a:defRPr/>
             </a:pPr>
-            <a:endParaRPr lang="en-US" altLang="en-US" dirty="0" smtClean="0"/>
+            <a:endParaRPr lang="en-US" altLang="en-US" dirty="0"/>
           </a:p>
           <a:p>
             <a:pPr fontAlgn="auto">
@@ -4159,7 +4159,7 @@
               <a:defRPr/>
             </a:pPr>
             <a:r>
-              <a:rPr lang="en-US" altLang="en-US" sz="3600" dirty="0" smtClean="0"/>
+              <a:rPr lang="en-US" altLang="en-US" sz="3600" dirty="0"/>
               <a:t>CDL:</a:t>
             </a:r>
           </a:p>
@@ -4179,15 +4179,9 @@
               <a:rPr lang="en-US" altLang="en-US" dirty="0">
                 <a:hlinkClick r:id="rId4"/>
               </a:rPr>
-              <a:t>https://</a:t>
-            </a:r>
-            <a:r>
-              <a:rPr lang="en-US" altLang="en-US" dirty="0" smtClean="0">
-                <a:hlinkClick r:id="rId4"/>
-              </a:rPr>
-              <a:t>www.unidata.ucar.edu/software/netcdf/netcdf/CDL-Syntax.html</a:t>
-            </a:r>
-            <a:endParaRPr lang="en-US" altLang="en-US" dirty="0" smtClean="0"/>
+              <a:t>https://docs.unidata.ucar.edu/nug/current/_c_d_l.html</a:t>
+            </a:r>
+            <a:endParaRPr lang="en-US" altLang="en-US" dirty="0"/>
           </a:p>
           <a:p>
             <a:pPr marL="457200" lvl="1" indent="0" fontAlgn="auto">
@@ -4201,7 +4195,7 @@
               <a:buNone/>
               <a:defRPr/>
             </a:pPr>
-            <a:endParaRPr lang="en-US" altLang="en-US" dirty="0" smtClean="0"/>
+            <a:endParaRPr lang="en-US" altLang="en-US" dirty="0"/>
           </a:p>
           <a:p>
             <a:pPr fontAlgn="auto">
@@ -4230,9 +4224,49 @@
               <a:buNone/>
               <a:defRPr/>
             </a:pPr>
-            <a:endParaRPr lang="en-US" altLang="en-US" sz="1100" dirty="0" smtClean="0">
+            <a:endParaRPr lang="en-US" altLang="en-US" sz="1100" dirty="0">
               <a:hlinkClick r:id="rId5"/>
             </a:endParaRPr>
+          </a:p>
+          <a:p>
+            <a:pPr marL="457200" lvl="1" indent="0" fontAlgn="auto">
+              <a:lnSpc>
+                <a:spcPct val="80000"/>
+              </a:lnSpc>
+              <a:spcAft>
+                <a:spcPts val="0"/>
+              </a:spcAft>
+              <a:buFont typeface="Arial" panose="020B0604020202020204" pitchFamily="34" charset="0"/>
+              <a:buNone/>
+              <a:defRPr/>
+            </a:pPr>
+            <a:r>
+              <a:rPr lang="en-US" altLang="en-US" sz="1800" dirty="0">
+                <a:hlinkClick r:id="rId6"/>
+              </a:rPr>
+              <a:t>https://www.unidata.ucar.edu/software/netcdf/workshops/2010</a:t>
+            </a:r>
+            <a:r>
+              <a:rPr lang="en-US" altLang="en-US" sz="1800">
+                <a:hlinkClick r:id="rId6"/>
+              </a:rPr>
+              <a:t>/bestpractices</a:t>
+            </a:r>
+            <a:endParaRPr lang="en-US" altLang="en-US" sz="1800"/>
+          </a:p>
+          <a:p>
+            <a:pPr marL="457200" lvl="1" indent="0" fontAlgn="auto">
+              <a:lnSpc>
+                <a:spcPct val="80000"/>
+              </a:lnSpc>
+              <a:spcAft>
+                <a:spcPts val="0"/>
+              </a:spcAft>
+              <a:buFont typeface="Arial" panose="020B0604020202020204" pitchFamily="34" charset="0"/>
+              <a:buNone/>
+              <a:defRPr/>
+            </a:pPr>
+            <a:endParaRPr lang="en-US" altLang="en-US" sz="1800" dirty="0"/>
           </a:p>
           <a:p>
             <a:pPr marL="0" indent="0" fontAlgn="auto">
@@ -4246,13 +4280,7 @@
               <a:buNone/>
               <a:defRPr/>
             </a:pPr>
-            <a:r>
-              <a:rPr lang="en-US" altLang="en-US" dirty="0" smtClean="0">
-                <a:hlinkClick r:id="rId5"/>
-              </a:rPr>
-              <a:t>https://www.unidata.ucar.edu/software/netcdf/docs/BestPractices.html</a:t>
-            </a:r>
-            <a:endParaRPr lang="en-US" altLang="en-US" dirty="0" smtClean="0"/>
+            <a:endParaRPr lang="en-US" altLang="en-US" dirty="0"/>
           </a:p>
           <a:p>
             <a:pPr marL="457200" lvl="1" indent="0" fontAlgn="auto">
@@ -4266,21 +4294,7 @@
               <a:buNone/>
               <a:defRPr/>
             </a:pPr>
-            <a:endParaRPr lang="en-US" altLang="en-US" dirty="0" smtClean="0"/>
-          </a:p>
-          <a:p>
-            <a:pPr marL="0" indent="0" fontAlgn="auto">
-              <a:lnSpc>
-                <a:spcPct val="80000"/>
-              </a:lnSpc>
-              <a:spcAft>
-                <a:spcPts val="0"/>
-              </a:spcAft>
-              <a:buFont typeface="Arial" panose="020B0604020202020204" pitchFamily="34" charset="0"/>
-              <a:buNone/>
-              <a:defRPr/>
-            </a:pPr>
-            <a:endParaRPr lang="en-US" altLang="en-US" dirty="0" smtClean="0"/>
+            <a:endParaRPr lang="en-US" altLang="en-US" dirty="0"/>
           </a:p>
           <a:p>
             <a:pPr marL="457200" lvl="1" indent="0" fontAlgn="auto">
@@ -4294,21 +4308,7 @@
               <a:buNone/>
               <a:defRPr/>
             </a:pPr>
-            <a:endParaRPr lang="en-US" altLang="en-US" dirty="0" smtClean="0"/>
-          </a:p>
-          <a:p>
-            <a:pPr marL="457200" lvl="1" indent="0" fontAlgn="auto">
-              <a:lnSpc>
-                <a:spcPct val="80000"/>
-              </a:lnSpc>
-              <a:spcAft>
-                <a:spcPts val="0"/>
-              </a:spcAft>
-              <a:buFont typeface="Arial" panose="020B0604020202020204" pitchFamily="34" charset="0"/>
-              <a:buNone/>
-              <a:defRPr/>
-            </a:pPr>
-            <a:endParaRPr lang="en-US" altLang="en-US" dirty="0" smtClean="0"/>
+            <a:endParaRPr lang="en-US" altLang="en-US" dirty="0"/>
           </a:p>
         </p:txBody>
       </p:sp>
@@ -4318,13 +4318,6 @@
     <a:masterClrMapping/>
   </p:clrMapOvr>
   <p:transition/>
-  <p:timing>
-    <p:tnLst>
-      <p:par>
-        <p:cTn id="1" dur="indefinite" restart="never" nodeType="tmRoot"/>
-      </p:par>
-    </p:tnLst>
-  </p:timing>
 </p:sld>
 </file>
 
@@ -4530,27 +4523,27 @@
               <a:defRPr/>
             </a:pPr>
             <a:r>
-              <a:rPr lang="en-GB" altLang="en-US" sz="3600" b="1" dirty="0" err="1" smtClean="0">
+              <a:rPr lang="en-GB" altLang="en-US" sz="3600" b="1" dirty="0" err="1">
                 <a:latin typeface="+mn-lt"/>
                 <a:cs typeface="Calibri" panose="020F0502020204030204" pitchFamily="34" charset="0"/>
               </a:rPr>
               <a:t>ncdump</a:t>
             </a:r>
             <a:r>
-              <a:rPr lang="en-GB" altLang="en-US" sz="3600" b="1" dirty="0" smtClean="0">
+              <a:rPr lang="en-GB" altLang="en-US" sz="3600" b="1" dirty="0">
                 <a:latin typeface="+mn-lt"/>
                 <a:cs typeface="Calibri" panose="020F0502020204030204" pitchFamily="34" charset="0"/>
               </a:rPr>
               <a:t> and </a:t>
             </a:r>
             <a:r>
-              <a:rPr lang="en-GB" altLang="en-US" sz="3600" b="1" dirty="0" err="1" smtClean="0">
+              <a:rPr lang="en-GB" altLang="en-US" sz="3600" b="1" dirty="0" err="1">
                 <a:latin typeface="+mn-lt"/>
                 <a:cs typeface="Calibri" panose="020F0502020204030204" pitchFamily="34" charset="0"/>
               </a:rPr>
               <a:t>ncgen</a:t>
             </a:r>
-            <a:endParaRPr lang="en-GB" altLang="en-US" sz="2800" b="1" dirty="0" smtClean="0">
+            <a:endParaRPr lang="en-GB" altLang="en-US" sz="2800" b="1" dirty="0">
               <a:latin typeface="+mn-lt"/>
               <a:cs typeface="Calibri" panose="020F0502020204030204" pitchFamily="34" charset="0"/>
             </a:endParaRPr>
@@ -4564,7 +4557,7 @@
               <a:buNone/>
               <a:defRPr/>
             </a:pPr>
-            <a:endParaRPr lang="en-GB" altLang="en-US" sz="1800" b="1" dirty="0" smtClean="0">
+            <a:endParaRPr lang="en-GB" altLang="en-US" sz="1800" b="1" dirty="0">
               <a:latin typeface="+mn-lt"/>
               <a:cs typeface="Calibri" panose="020F0502020204030204" pitchFamily="34" charset="0"/>
             </a:endParaRPr>
@@ -4579,49 +4572,49 @@
               <a:defRPr/>
             </a:pPr>
             <a:r>
-              <a:rPr lang="en-GB" altLang="en-US" sz="2800" dirty="0" smtClean="0">
+              <a:rPr lang="en-GB" altLang="en-US" sz="2800" dirty="0">
                 <a:latin typeface="+mn-lt"/>
                 <a:cs typeface="Calibri" panose="020F0502020204030204" pitchFamily="34" charset="0"/>
               </a:rPr>
               <a:t>Used together, </a:t>
             </a:r>
             <a:r>
-              <a:rPr lang="en-GB" altLang="en-US" sz="2800" b="1" dirty="0" err="1" smtClean="0">
+              <a:rPr lang="en-GB" altLang="en-US" sz="2800" b="1" dirty="0" err="1">
                 <a:latin typeface="+mn-lt"/>
                 <a:cs typeface="Calibri" panose="020F0502020204030204" pitchFamily="34" charset="0"/>
               </a:rPr>
               <a:t>ncdump</a:t>
             </a:r>
             <a:r>
-              <a:rPr lang="en-GB" altLang="en-US" sz="2800" dirty="0" smtClean="0">
+              <a:rPr lang="en-GB" altLang="en-US" sz="2800" dirty="0">
                 <a:latin typeface="+mn-lt"/>
                 <a:cs typeface="Calibri" panose="020F0502020204030204" pitchFamily="34" charset="0"/>
               </a:rPr>
               <a:t> and </a:t>
             </a:r>
             <a:r>
-              <a:rPr lang="en-GB" altLang="en-US" sz="2800" b="1" dirty="0" err="1" smtClean="0">
+              <a:rPr lang="en-GB" altLang="en-US" sz="2800" b="1" dirty="0" err="1">
                 <a:latin typeface="+mn-lt"/>
                 <a:cs typeface="Calibri" panose="020F0502020204030204" pitchFamily="34" charset="0"/>
               </a:rPr>
               <a:t>ncgen</a:t>
             </a:r>
             <a:r>
-              <a:rPr lang="en-GB" altLang="en-US" sz="2800" dirty="0" smtClean="0">
+              <a:rPr lang="en-GB" altLang="en-US" sz="2800" dirty="0">
                 <a:latin typeface="+mn-lt"/>
                 <a:cs typeface="Calibri" panose="020F0502020204030204" pitchFamily="34" charset="0"/>
               </a:rPr>
               <a:t> can accomplish simple </a:t>
             </a:r>
             <a:r>
-              <a:rPr lang="en-GB" altLang="en-US" sz="2800" dirty="0" err="1" smtClean="0">
+              <a:rPr lang="en-GB" altLang="en-US" sz="2800" dirty="0" err="1">
                 <a:latin typeface="+mn-lt"/>
                 <a:cs typeface="Calibri" panose="020F0502020204030204" pitchFamily="34" charset="0"/>
               </a:rPr>
               <a:t>netCDF</a:t>
             </a:r>
             <a:r>
-              <a:rPr lang="en-GB" altLang="en-US" sz="2800" dirty="0" smtClean="0">
+              <a:rPr lang="en-GB" altLang="en-US" sz="2800" dirty="0">
                 <a:latin typeface="+mn-lt"/>
                 <a:cs typeface="Calibri" panose="020F0502020204030204" pitchFamily="34" charset="0"/>
               </a:rPr>
@@ -4637,7 +4630,7 @@
               <a:buNone/>
               <a:defRPr/>
             </a:pPr>
-            <a:endParaRPr lang="en-GB" altLang="en-US" sz="2800" dirty="0" smtClean="0">
+            <a:endParaRPr lang="en-GB" altLang="en-US" sz="2800" dirty="0">
               <a:latin typeface="+mn-lt"/>
               <a:cs typeface="Calibri" panose="020F0502020204030204" pitchFamily="34" charset="0"/>
             </a:endParaRPr>
@@ -4652,28 +4645,28 @@
               <a:defRPr/>
             </a:pPr>
             <a:r>
-              <a:rPr lang="en-GB" altLang="en-US" sz="2800" b="1" dirty="0" err="1" smtClean="0">
+              <a:rPr lang="en-GB" altLang="en-US" sz="2800" b="1" dirty="0" err="1">
                 <a:latin typeface="+mn-lt"/>
                 <a:cs typeface="Calibri" panose="020F0502020204030204" pitchFamily="34" charset="0"/>
               </a:rPr>
               <a:t>ncdump</a:t>
             </a:r>
             <a:r>
-              <a:rPr lang="en-GB" altLang="en-US" sz="2800" dirty="0" smtClean="0">
+              <a:rPr lang="en-GB" altLang="en-US" sz="2800" dirty="0">
                 <a:latin typeface="+mn-lt"/>
                 <a:cs typeface="Calibri" panose="020F0502020204030204" pitchFamily="34" charset="0"/>
               </a:rPr>
               <a:t> and </a:t>
             </a:r>
             <a:r>
-              <a:rPr lang="en-GB" altLang="en-US" sz="2800" b="1" dirty="0" err="1" smtClean="0">
+              <a:rPr lang="en-GB" altLang="en-US" sz="2800" b="1" dirty="0" err="1">
                 <a:latin typeface="+mn-lt"/>
                 <a:cs typeface="Calibri" panose="020F0502020204030204" pitchFamily="34" charset="0"/>
               </a:rPr>
               <a:t>ncgen</a:t>
             </a:r>
             <a:r>
-              <a:rPr lang="en-GB" altLang="en-US" sz="2800" dirty="0" smtClean="0">
+              <a:rPr lang="en-GB" altLang="en-US" sz="2800" dirty="0">
                 <a:latin typeface="+mn-lt"/>
                 <a:cs typeface="Calibri" panose="020F0502020204030204" pitchFamily="34" charset="0"/>
               </a:rPr>
@@ -4741,13 +4734,6 @@
   <p:clrMapOvr>
     <a:masterClrMapping/>
   </p:clrMapOvr>
-  <p:timing>
-    <p:tnLst>
-      <p:par>
-        <p:cTn id="1" dur="indefinite" restart="never" nodeType="tmRoot"/>
-      </p:par>
-    </p:tnLst>
-  </p:timing>
 </p:sld>
 </file>
 
@@ -4797,14 +4783,14 @@
               <a:defRPr/>
             </a:pPr>
             <a:r>
-              <a:rPr lang="en-US" altLang="en-US" sz="4000" b="1" dirty="0" smtClean="0"/>
+              <a:rPr lang="en-US" altLang="en-US" sz="4000" b="1" dirty="0"/>
               <a:t>CDL </a:t>
             </a:r>
             <a:r>
-              <a:rPr lang="en-GB" altLang="en-US" sz="4000" b="1" dirty="0" smtClean="0"/>
+              <a:rPr lang="en-GB" altLang="en-US" sz="4000" b="1" dirty="0"/>
               <a:t>(network Common Data form Language)</a:t>
             </a:r>
-            <a:endParaRPr lang="en-US" altLang="en-US" sz="4000" b="1" dirty="0" smtClean="0"/>
+            <a:endParaRPr lang="en-US" altLang="en-US" sz="4000" b="1" dirty="0"/>
           </a:p>
         </p:txBody>
       </p:sp>
@@ -4839,17 +4825,17 @@
               <a:defRPr/>
             </a:pPr>
             <a:r>
-              <a:rPr lang="en-US" altLang="en-US" dirty="0" smtClean="0"/>
+              <a:rPr lang="en-US" altLang="en-US" dirty="0"/>
               <a:t>CDL provides a means for NetCDF </a:t>
             </a:r>
             <a:r>
-              <a:rPr lang="en-US" altLang="en-US" dirty="0" smtClean="0">
+              <a:rPr lang="en-US" altLang="en-US" dirty="0">
                 <a:cs typeface="Times New Roman" pitchFamily="18" charset="0"/>
               </a:rPr>
               <a:t>↔</a:t>
             </a:r>
             <a:r>
-              <a:rPr lang="en-US" altLang="en-US" dirty="0" smtClean="0"/>
+              <a:rPr lang="en-US" altLang="en-US" dirty="0"/>
               <a:t> ASCII translation. It is a simple text-based language that can be directly converted to NetCDF.</a:t>
             </a:r>
           </a:p>
@@ -4862,7 +4848,7 @@
               <a:buNone/>
               <a:defRPr/>
             </a:pPr>
-            <a:endParaRPr lang="en-US" altLang="en-US" sz="1050" dirty="0" smtClean="0"/>
+            <a:endParaRPr lang="en-US" altLang="en-US" sz="1050" dirty="0"/>
           </a:p>
           <a:p>
             <a:pPr marL="0" indent="0" fontAlgn="auto">
@@ -4874,7 +4860,7 @@
               <a:defRPr/>
             </a:pPr>
             <a:r>
-              <a:rPr lang="en-US" altLang="en-US" dirty="0" smtClean="0"/>
+              <a:rPr lang="en-US" altLang="en-US" dirty="0"/>
               <a:t>It has two main utilities:</a:t>
             </a:r>
           </a:p>
@@ -4888,18 +4874,18 @@
               <a:defRPr/>
             </a:pPr>
             <a:r>
-              <a:rPr lang="en-US" altLang="en-US" dirty="0" smtClean="0"/>
+              <a:rPr lang="en-US" altLang="en-US" dirty="0"/>
               <a:t>  1. </a:t>
             </a:r>
             <a:r>
-              <a:rPr lang="en-US" altLang="en-US" dirty="0" err="1" smtClean="0">
+              <a:rPr lang="en-US" altLang="en-US" dirty="0" err="1">
                 <a:latin typeface="Courier New" pitchFamily="49" charset="0"/>
                 <a:cs typeface="Courier New" pitchFamily="49" charset="0"/>
               </a:rPr>
               <a:t>ncdump</a:t>
             </a:r>
             <a:r>
-              <a:rPr lang="en-US" altLang="en-US" dirty="0" smtClean="0"/>
+              <a:rPr lang="en-US" altLang="en-US" dirty="0"/>
               <a:t> (from NetCDF to ASCII)</a:t>
             </a:r>
           </a:p>
@@ -4911,7 +4897,7 @@
               <a:defRPr/>
             </a:pPr>
             <a:r>
-              <a:rPr lang="en-US" altLang="en-US" dirty="0" smtClean="0"/>
+              <a:rPr lang="en-US" altLang="en-US" dirty="0"/>
               <a:t>to get overview of NetCDF file contents</a:t>
             </a:r>
           </a:p>
@@ -4925,18 +4911,18 @@
               <a:defRPr/>
             </a:pPr>
             <a:r>
-              <a:rPr lang="en-US" altLang="en-US" dirty="0" smtClean="0"/>
+              <a:rPr lang="en-US" altLang="en-US" dirty="0"/>
               <a:t>  2. </a:t>
             </a:r>
             <a:r>
-              <a:rPr lang="en-US" altLang="en-US" dirty="0" err="1" smtClean="0">
+              <a:rPr lang="en-US" altLang="en-US" dirty="0" err="1">
                 <a:latin typeface="Courier New" pitchFamily="49" charset="0"/>
                 <a:cs typeface="Courier New" pitchFamily="49" charset="0"/>
               </a:rPr>
               <a:t>ncgen</a:t>
             </a:r>
             <a:r>
-              <a:rPr lang="en-US" altLang="en-US" dirty="0" smtClean="0"/>
+              <a:rPr lang="en-US" altLang="en-US" dirty="0"/>
               <a:t> (from ASCII to NetCDF)</a:t>
             </a:r>
           </a:p>
@@ -4948,7 +4934,7 @@
               <a:defRPr/>
             </a:pPr>
             <a:r>
-              <a:rPr lang="en-US" altLang="en-US" dirty="0" smtClean="0"/>
+              <a:rPr lang="en-US" altLang="en-US" dirty="0"/>
               <a:t>to create NetCDF files</a:t>
             </a:r>
           </a:p>
@@ -5191,7 +5177,7 @@
           <a:lstStyle/>
           <a:p>
             <a:r>
-              <a:rPr lang="en-US" altLang="en-US" b="1" smtClean="0"/>
+              <a:rPr lang="en-US" altLang="en-US" b="1"/>
               <a:t>ncdump</a:t>
             </a:r>
           </a:p>
@@ -5222,13 +5208,13 @@
               <a:buNone/>
             </a:pPr>
             <a:r>
-              <a:rPr lang="en-US" altLang="en-US" smtClean="0"/>
+              <a:rPr lang="en-US" altLang="en-US"/>
               <a:t>For quick glimpse at file's "metadata"</a:t>
             </a:r>
           </a:p>
           <a:p>
             <a:r>
-              <a:rPr lang="en-US" altLang="en-US" smtClean="0"/>
+              <a:rPr lang="en-US" altLang="en-US"/>
               <a:t>To view header info: </a:t>
             </a:r>
           </a:p>
@@ -5238,7 +5224,7 @@
               <a:buNone/>
             </a:pPr>
             <a:r>
-              <a:rPr lang="en-US" altLang="en-US" smtClean="0">
+              <a:rPr lang="en-US" altLang="en-US">
                 <a:latin typeface="Courier New" panose="02070309020205020404" pitchFamily="49" charset="0"/>
               </a:rPr>
               <a:t>ncdump -h myfile.nc</a:t>
@@ -5246,7 +5232,7 @@
           </a:p>
           <a:p>
             <a:r>
-              <a:rPr lang="en-US" altLang="en-US" smtClean="0"/>
+              <a:rPr lang="en-US" altLang="en-US"/>
               <a:t>To view header info plus values of coordinate variables:</a:t>
             </a:r>
           </a:p>
@@ -5256,7 +5242,7 @@
               <a:buNone/>
             </a:pPr>
             <a:r>
-              <a:rPr lang="en-US" altLang="en-US" smtClean="0">
+              <a:rPr lang="en-US" altLang="en-US">
                 <a:latin typeface="Courier New" panose="02070309020205020404" pitchFamily="49" charset="0"/>
               </a:rPr>
               <a:t>ncdump -c myfile.nc</a:t>
@@ -5264,7 +5250,7 @@
           </a:p>
           <a:p>
             <a:r>
-              <a:rPr lang="en-US" altLang="en-US" smtClean="0"/>
+              <a:rPr lang="en-US" altLang="en-US"/>
               <a:t>To output data values in ascii form:</a:t>
             </a:r>
           </a:p>
@@ -5274,7 +5260,7 @@
               <a:buNone/>
             </a:pPr>
             <a:r>
-              <a:rPr lang="en-US" altLang="en-US" smtClean="0">
+              <a:rPr lang="en-US" altLang="en-US">
                 <a:latin typeface="Courier New" panose="02070309020205020404" pitchFamily="49" charset="0"/>
               </a:rPr>
               <a:t>ncdump –v varname myfile.nc</a:t>
@@ -5288,13 +5274,6 @@
     <a:masterClrMapping/>
   </p:clrMapOvr>
   <p:transition/>
-  <p:timing>
-    <p:tnLst>
-      <p:par>
-        <p:cTn id="1" dur="indefinite" restart="never" nodeType="tmRoot"/>
-      </p:par>
-    </p:tnLst>
-  </p:timing>
 </p:sld>
 </file>
 
@@ -5336,7 +5315,7 @@
           <a:lstStyle/>
           <a:p>
             <a:r>
-              <a:rPr lang="en-GB" altLang="en-US" b="1" smtClean="0"/>
+              <a:rPr lang="en-GB" altLang="en-US" b="1"/>
               <a:t>An easy way to view NetCDF: CDL</a:t>
             </a:r>
           </a:p>
@@ -5527,21 +5506,21 @@
               <a:defRPr/>
             </a:pPr>
             <a:r>
-              <a:rPr lang="en-GB" altLang="en-US" sz="2800" dirty="0" smtClean="0">
+              <a:rPr lang="en-GB" altLang="en-US" sz="2800" dirty="0">
                 <a:latin typeface="+mn-lt"/>
                 <a:cs typeface="Calibri" panose="020F0502020204030204" pitchFamily="34" charset="0"/>
               </a:rPr>
               <a:t>CDL is a human-readable notation for </a:t>
             </a:r>
             <a:r>
-              <a:rPr lang="en-GB" altLang="en-US" sz="2800" dirty="0" err="1" smtClean="0">
+              <a:rPr lang="en-GB" altLang="en-US" sz="2800" dirty="0" err="1">
                 <a:latin typeface="+mn-lt"/>
                 <a:cs typeface="Calibri" panose="020F0502020204030204" pitchFamily="34" charset="0"/>
               </a:rPr>
               <a:t>netCDF</a:t>
             </a:r>
             <a:r>
-              <a:rPr lang="en-GB" altLang="en-US" sz="2800" dirty="0" smtClean="0">
+              <a:rPr lang="en-GB" altLang="en-US" sz="2800" dirty="0">
                 <a:latin typeface="+mn-lt"/>
                 <a:cs typeface="Calibri" panose="020F0502020204030204" pitchFamily="34" charset="0"/>
               </a:rPr>
@@ -5767,106 +5746,50 @@
                 <a:latin typeface="Courier New" panose="02070309020205020404" pitchFamily="49" charset="0"/>
                 <a:cs typeface="Courier New" panose="02070309020205020404" pitchFamily="49" charset="0"/>
               </a:rPr>
-              <a:t> = </a:t>
+              <a:t> = "percent" ; </a:t>
+            </a:r>
+          </a:p>
+          <a:p>
+            <a:pPr lvl="2">
+              <a:defRPr/>
+            </a:pPr>
+            <a:r>
+              <a:rPr lang="en-US" altLang="en-US" sz="1600" dirty="0" err="1">
+                <a:latin typeface="Courier New" panose="02070309020205020404" pitchFamily="49" charset="0"/>
+                <a:cs typeface="Courier New" panose="02070309020205020404" pitchFamily="49" charset="0"/>
+              </a:rPr>
+              <a:t>rh:long_name</a:t>
             </a:r>
             <a:r>
               <a:rPr lang="en-US" altLang="en-US" sz="1600" dirty="0">
                 <a:latin typeface="Courier New" panose="02070309020205020404" pitchFamily="49" charset="0"/>
                 <a:cs typeface="Courier New" panose="02070309020205020404" pitchFamily="49" charset="0"/>
               </a:rPr>
-              <a:t>"percent" </a:t>
-            </a:r>
+              <a:t> = "Relative humidity" ; </a:t>
+            </a:r>
+          </a:p>
+          <a:p>
+            <a:pPr marL="0" lvl="2">
+              <a:defRPr/>
+            </a:pPr>
             <a:r>
               <a:rPr lang="en-US" altLang="en-US" sz="1600" dirty="0">
                 <a:latin typeface="Courier New" panose="02070309020205020404" pitchFamily="49" charset="0"/>
                 <a:cs typeface="Courier New" panose="02070309020205020404" pitchFamily="49" charset="0"/>
               </a:rPr>
-              <a:t>; </a:t>
-            </a:r>
-          </a:p>
-          <a:p>
-            <a:pPr lvl="2">
-              <a:defRPr/>
-            </a:pPr>
-            <a:r>
-              <a:rPr lang="en-US" altLang="en-US" sz="1600" dirty="0" err="1">
-                <a:latin typeface="Courier New" panose="02070309020205020404" pitchFamily="49" charset="0"/>
-                <a:cs typeface="Courier New" panose="02070309020205020404" pitchFamily="49" charset="0"/>
-              </a:rPr>
-              <a:t>rh:long_name</a:t>
-            </a:r>
+              <a:t>// global attributes </a:t>
+            </a:r>
+          </a:p>
+          <a:p>
+            <a:pPr marL="0" lvl="2">
+              <a:defRPr/>
+            </a:pPr>
             <a:r>
               <a:rPr lang="en-US" altLang="en-US" sz="1600" dirty="0">
                 <a:latin typeface="Courier New" panose="02070309020205020404" pitchFamily="49" charset="0"/>
                 <a:cs typeface="Courier New" panose="02070309020205020404" pitchFamily="49" charset="0"/>
               </a:rPr>
-              <a:t> = </a:t>
-            </a:r>
-            <a:r>
-              <a:rPr lang="en-US" altLang="en-US" sz="1600" dirty="0">
-                <a:latin typeface="Courier New" panose="02070309020205020404" pitchFamily="49" charset="0"/>
-                <a:cs typeface="Courier New" panose="02070309020205020404" pitchFamily="49" charset="0"/>
-              </a:rPr>
-              <a:t>"Relative humidity" </a:t>
-            </a:r>
-            <a:r>
-              <a:rPr lang="en-US" altLang="en-US" sz="1600" dirty="0">
-                <a:latin typeface="Courier New" panose="02070309020205020404" pitchFamily="49" charset="0"/>
-                <a:cs typeface="Courier New" panose="02070309020205020404" pitchFamily="49" charset="0"/>
-              </a:rPr>
-              <a:t>; </a:t>
-            </a:r>
-          </a:p>
-          <a:p>
-            <a:pPr marL="0" lvl="2">
-              <a:defRPr/>
-            </a:pPr>
-            <a:r>
-              <a:rPr lang="en-US" altLang="en-US" sz="1600" dirty="0">
-                <a:latin typeface="Courier New" panose="02070309020205020404" pitchFamily="49" charset="0"/>
-                <a:cs typeface="Courier New" panose="02070309020205020404" pitchFamily="49" charset="0"/>
-              </a:rPr>
-              <a:t>// global attributes </a:t>
-            </a:r>
-          </a:p>
-          <a:p>
-            <a:pPr marL="0" lvl="2">
-              <a:defRPr/>
-            </a:pPr>
-            <a:r>
-              <a:rPr lang="en-US" altLang="en-US" sz="1600" dirty="0">
-                <a:latin typeface="Courier New" panose="02070309020205020404" pitchFamily="49" charset="0"/>
-                <a:cs typeface="Courier New" panose="02070309020205020404" pitchFamily="49" charset="0"/>
-              </a:rPr>
-              <a:t>	:title = </a:t>
-            </a:r>
-            <a:r>
-              <a:rPr lang="en-US" altLang="en-US" sz="1600" dirty="0">
-                <a:latin typeface="Courier New" panose="02070309020205020404" pitchFamily="49" charset="0"/>
-                <a:cs typeface="Courier New" panose="02070309020205020404" pitchFamily="49" charset="0"/>
-              </a:rPr>
-              <a:t>"Simple </a:t>
-            </a:r>
-            <a:r>
-              <a:rPr lang="en-US" altLang="en-US" sz="1600" dirty="0">
-                <a:latin typeface="Courier New" panose="02070309020205020404" pitchFamily="49" charset="0"/>
-                <a:cs typeface="Courier New" panose="02070309020205020404" pitchFamily="49" charset="0"/>
-              </a:rPr>
-              <a:t>example, lacks some </a:t>
-            </a:r>
-            <a:r>
-              <a:rPr lang="en-US" altLang="en-US" sz="1600" dirty="0">
-                <a:latin typeface="Courier New" panose="02070309020205020404" pitchFamily="49" charset="0"/>
-                <a:cs typeface="Courier New" panose="02070309020205020404" pitchFamily="49" charset="0"/>
-              </a:rPr>
-              <a:t>conventions" </a:t>
-            </a:r>
-            <a:r>
-              <a:rPr lang="en-US" altLang="en-US" sz="1600" dirty="0">
-                <a:latin typeface="Courier New" panose="02070309020205020404" pitchFamily="49" charset="0"/>
-                <a:cs typeface="Courier New" panose="02070309020205020404" pitchFamily="49" charset="0"/>
-              </a:rPr>
-              <a:t>; </a:t>
+              <a:t>	:title = "Simple example, lacks some conventions" ; </a:t>
             </a:r>
           </a:p>
           <a:p>
@@ -6015,11 +5938,7 @@
             </a:pPr>
             <a:r>
               <a:rPr lang="en-GB" sz="2800" dirty="0"/>
-              <a:t>Let's </a:t>
-            </a:r>
-            <a:r>
-              <a:rPr lang="en-GB" sz="2800" dirty="0"/>
-              <a:t>zoom in…</a:t>
+              <a:t>Let's zoom in…</a:t>
             </a:r>
             <a:endParaRPr lang="en-GB" sz="2400" dirty="0"/>
           </a:p>
@@ -6354,54 +6273,26 @@
                 <a:latin typeface="Courier New" panose="02070309020205020404" pitchFamily="49" charset="0"/>
                 <a:cs typeface="Courier New" panose="02070309020205020404" pitchFamily="49" charset="0"/>
               </a:rPr>
-              <a:t> = </a:t>
+              <a:t> = "percent" ; </a:t>
+            </a:r>
+          </a:p>
+          <a:p>
+            <a:pPr lvl="2">
+              <a:defRPr/>
+            </a:pPr>
+            <a:r>
+              <a:rPr lang="en-US" altLang="en-US" sz="2000" dirty="0" err="1">
+                <a:latin typeface="Courier New" panose="02070309020205020404" pitchFamily="49" charset="0"/>
+                <a:cs typeface="Courier New" panose="02070309020205020404" pitchFamily="49" charset="0"/>
+              </a:rPr>
+              <a:t>rh:long_name</a:t>
             </a:r>
             <a:r>
               <a:rPr lang="en-US" altLang="en-US" sz="2000" dirty="0">
                 <a:latin typeface="Courier New" panose="02070309020205020404" pitchFamily="49" charset="0"/>
                 <a:cs typeface="Courier New" panose="02070309020205020404" pitchFamily="49" charset="0"/>
               </a:rPr>
-              <a:t>"percent" </a:t>
-            </a:r>
-            <a:r>
-              <a:rPr lang="en-US" altLang="en-US" sz="2000" dirty="0">
-                <a:latin typeface="Courier New" panose="02070309020205020404" pitchFamily="49" charset="0"/>
-                <a:cs typeface="Courier New" panose="02070309020205020404" pitchFamily="49" charset="0"/>
-              </a:rPr>
-              <a:t>; </a:t>
-            </a:r>
-          </a:p>
-          <a:p>
-            <a:pPr lvl="2">
-              <a:defRPr/>
-            </a:pPr>
-            <a:r>
-              <a:rPr lang="en-US" altLang="en-US" sz="2000" dirty="0" err="1">
-                <a:latin typeface="Courier New" panose="02070309020205020404" pitchFamily="49" charset="0"/>
-                <a:cs typeface="Courier New" panose="02070309020205020404" pitchFamily="49" charset="0"/>
-              </a:rPr>
-              <a:t>rh:long_name</a:t>
-            </a:r>
-            <a:r>
-              <a:rPr lang="en-US" altLang="en-US" sz="2000" dirty="0">
-                <a:latin typeface="Courier New" panose="02070309020205020404" pitchFamily="49" charset="0"/>
-                <a:cs typeface="Courier New" panose="02070309020205020404" pitchFamily="49" charset="0"/>
-              </a:rPr>
-              <a:t> = </a:t>
-            </a:r>
-            <a:r>
-              <a:rPr lang="en-US" altLang="en-US" sz="2000" dirty="0">
-                <a:latin typeface="Courier New" panose="02070309020205020404" pitchFamily="49" charset="0"/>
-                <a:cs typeface="Courier New" panose="02070309020205020404" pitchFamily="49" charset="0"/>
-              </a:rPr>
-              <a:t>"Relative humidity" </a:t>
-            </a:r>
-            <a:r>
-              <a:rPr lang="en-US" altLang="en-US" sz="2000" dirty="0">
-                <a:latin typeface="Courier New" panose="02070309020205020404" pitchFamily="49" charset="0"/>
-                <a:cs typeface="Courier New" panose="02070309020205020404" pitchFamily="49" charset="0"/>
-              </a:rPr>
-              <a:t>;</a:t>
+              <a:t> = "Relative humidity" ;</a:t>
             </a:r>
           </a:p>
           <a:p>
@@ -6441,35 +6332,7 @@
                 <a:latin typeface="Courier New" panose="02070309020205020404" pitchFamily="49" charset="0"/>
                 <a:cs typeface="Courier New" panose="02070309020205020404" pitchFamily="49" charset="0"/>
               </a:rPr>
-              <a:t>	:title = </a:t>
-            </a:r>
-            <a:r>
-              <a:rPr lang="en-US" altLang="en-US" sz="2000" dirty="0">
-                <a:latin typeface="Courier New" panose="02070309020205020404" pitchFamily="49" charset="0"/>
-                <a:cs typeface="Courier New" panose="02070309020205020404" pitchFamily="49" charset="0"/>
-              </a:rPr>
-              <a:t>"Simple </a:t>
-            </a:r>
-            <a:r>
-              <a:rPr lang="en-US" altLang="en-US" sz="2000" dirty="0">
-                <a:latin typeface="Courier New" panose="02070309020205020404" pitchFamily="49" charset="0"/>
-                <a:cs typeface="Courier New" panose="02070309020205020404" pitchFamily="49" charset="0"/>
-              </a:rPr>
-              <a:t>example, lacks some </a:t>
-            </a:r>
-            <a:r>
-              <a:rPr lang="en-US" altLang="en-US" sz="2000" dirty="0">
-                <a:latin typeface="Courier New" panose="02070309020205020404" pitchFamily="49" charset="0"/>
-                <a:cs typeface="Courier New" panose="02070309020205020404" pitchFamily="49" charset="0"/>
-              </a:rPr>
-              <a:t>conventions" </a:t>
-            </a:r>
-            <a:r>
-              <a:rPr lang="en-US" altLang="en-US" sz="2000" dirty="0">
-                <a:latin typeface="Courier New" panose="02070309020205020404" pitchFamily="49" charset="0"/>
-                <a:cs typeface="Courier New" panose="02070309020205020404" pitchFamily="49" charset="0"/>
-              </a:rPr>
-              <a:t>; </a:t>
+              <a:t>	:title = "Simple example, lacks some conventions" ; </a:t>
             </a:r>
           </a:p>
           <a:p>
@@ -6588,13 +6451,6 @@
   <p:clrMapOvr>
     <a:masterClrMapping/>
   </p:clrMapOvr>
-  <p:timing>
-    <p:tnLst>
-      <p:par>
-        <p:cTn id="1" dur="indefinite" restart="never" nodeType="tmRoot"/>
-      </p:par>
-    </p:tnLst>
-  </p:timing>
 </p:sld>
 </file>
 
@@ -6841,54 +6697,26 @@
                 <a:latin typeface="Courier New" panose="02070309020205020404" pitchFamily="49" charset="0"/>
                 <a:cs typeface="Courier New" panose="02070309020205020404" pitchFamily="49" charset="0"/>
               </a:rPr>
-              <a:t> = </a:t>
+              <a:t> = "percent" ; </a:t>
+            </a:r>
+          </a:p>
+          <a:p>
+            <a:pPr lvl="2">
+              <a:defRPr/>
+            </a:pPr>
+            <a:r>
+              <a:rPr lang="en-US" altLang="en-US" sz="2000" dirty="0" err="1">
+                <a:latin typeface="Courier New" panose="02070309020205020404" pitchFamily="49" charset="0"/>
+                <a:cs typeface="Courier New" panose="02070309020205020404" pitchFamily="49" charset="0"/>
+              </a:rPr>
+              <a:t>rh:long_name</a:t>
             </a:r>
             <a:r>
               <a:rPr lang="en-US" altLang="en-US" sz="2000" dirty="0">
                 <a:latin typeface="Courier New" panose="02070309020205020404" pitchFamily="49" charset="0"/>
                 <a:cs typeface="Courier New" panose="02070309020205020404" pitchFamily="49" charset="0"/>
               </a:rPr>
-              <a:t>"percent" </a:t>
-            </a:r>
-            <a:r>
-              <a:rPr lang="en-US" altLang="en-US" sz="2000" dirty="0">
-                <a:latin typeface="Courier New" panose="02070309020205020404" pitchFamily="49" charset="0"/>
-                <a:cs typeface="Courier New" panose="02070309020205020404" pitchFamily="49" charset="0"/>
-              </a:rPr>
-              <a:t>; </a:t>
-            </a:r>
-          </a:p>
-          <a:p>
-            <a:pPr lvl="2">
-              <a:defRPr/>
-            </a:pPr>
-            <a:r>
-              <a:rPr lang="en-US" altLang="en-US" sz="2000" dirty="0" err="1">
-                <a:latin typeface="Courier New" panose="02070309020205020404" pitchFamily="49" charset="0"/>
-                <a:cs typeface="Courier New" panose="02070309020205020404" pitchFamily="49" charset="0"/>
-              </a:rPr>
-              <a:t>rh:long_name</a:t>
-            </a:r>
-            <a:r>
-              <a:rPr lang="en-US" altLang="en-US" sz="2000" dirty="0">
-                <a:latin typeface="Courier New" panose="02070309020205020404" pitchFamily="49" charset="0"/>
-                <a:cs typeface="Courier New" panose="02070309020205020404" pitchFamily="49" charset="0"/>
-              </a:rPr>
-              <a:t> = </a:t>
-            </a:r>
-            <a:r>
-              <a:rPr lang="en-US" altLang="en-US" sz="2000" dirty="0">
-                <a:latin typeface="Courier New" panose="02070309020205020404" pitchFamily="49" charset="0"/>
-                <a:cs typeface="Courier New" panose="02070309020205020404" pitchFamily="49" charset="0"/>
-              </a:rPr>
-              <a:t>"Relative humidity" </a:t>
-            </a:r>
-            <a:r>
-              <a:rPr lang="en-US" altLang="en-US" sz="2000" dirty="0">
-                <a:latin typeface="Courier New" panose="02070309020205020404" pitchFamily="49" charset="0"/>
-                <a:cs typeface="Courier New" panose="02070309020205020404" pitchFamily="49" charset="0"/>
-              </a:rPr>
-              <a:t>;</a:t>
+              <a:t> = "Relative humidity" ;</a:t>
             </a:r>
           </a:p>
           <a:p>
@@ -6928,35 +6756,7 @@
                 <a:latin typeface="Courier New" panose="02070309020205020404" pitchFamily="49" charset="0"/>
                 <a:cs typeface="Courier New" panose="02070309020205020404" pitchFamily="49" charset="0"/>
               </a:rPr>
-              <a:t>	:title = </a:t>
-            </a:r>
-            <a:r>
-              <a:rPr lang="en-US" altLang="en-US" sz="2000" dirty="0">
-                <a:latin typeface="Courier New" panose="02070309020205020404" pitchFamily="49" charset="0"/>
-                <a:cs typeface="Courier New" panose="02070309020205020404" pitchFamily="49" charset="0"/>
-              </a:rPr>
-              <a:t>"Simple </a:t>
-            </a:r>
-            <a:r>
-              <a:rPr lang="en-US" altLang="en-US" sz="2000" dirty="0">
-                <a:latin typeface="Courier New" panose="02070309020205020404" pitchFamily="49" charset="0"/>
-                <a:cs typeface="Courier New" panose="02070309020205020404" pitchFamily="49" charset="0"/>
-              </a:rPr>
-              <a:t>example, lacks some </a:t>
-            </a:r>
-            <a:r>
-              <a:rPr lang="en-US" altLang="en-US" sz="2000" dirty="0">
-                <a:latin typeface="Courier New" panose="02070309020205020404" pitchFamily="49" charset="0"/>
-                <a:cs typeface="Courier New" panose="02070309020205020404" pitchFamily="49" charset="0"/>
-              </a:rPr>
-              <a:t>conventions" </a:t>
-            </a:r>
-            <a:r>
-              <a:rPr lang="en-US" altLang="en-US" sz="2000" dirty="0">
-                <a:latin typeface="Courier New" panose="02070309020205020404" pitchFamily="49" charset="0"/>
-                <a:cs typeface="Courier New" panose="02070309020205020404" pitchFamily="49" charset="0"/>
-              </a:rPr>
-              <a:t>; </a:t>
+              <a:t>	:title = "Simple example, lacks some conventions" ; </a:t>
             </a:r>
           </a:p>
           <a:p>
@@ -7250,13 +7050,6 @@
   <p:clrMapOvr>
     <a:masterClrMapping/>
   </p:clrMapOvr>
-  <p:timing>
-    <p:tnLst>
-      <p:par>
-        <p:cTn id="1" dur="indefinite" restart="never" nodeType="tmRoot"/>
-      </p:par>
-    </p:tnLst>
-  </p:timing>
 </p:sld>
 </file>
 
@@ -7298,7 +7091,7 @@
           <a:lstStyle/>
           <a:p>
             <a:r>
-              <a:rPr lang="en-GB" altLang="en-US" b="1" smtClean="0"/>
+              <a:rPr lang="en-GB" altLang="en-US" b="1"/>
               <a:t>NCL example: explained</a:t>
             </a:r>
           </a:p>
@@ -7487,7 +7280,7 @@
               <a:defRPr/>
             </a:pPr>
             <a:r>
-              <a:rPr lang="en-GB" altLang="en-US" sz="2800" dirty="0" smtClean="0">
+              <a:rPr lang="en-GB" altLang="en-US" sz="2800" dirty="0">
                 <a:latin typeface="+mn-lt"/>
                 <a:cs typeface="Calibri" panose="020F0502020204030204" pitchFamily="34" charset="0"/>
               </a:rPr>
@@ -7502,21 +7295,21 @@
               <a:defRPr/>
             </a:pPr>
             <a:r>
-              <a:rPr lang="en-GB" altLang="en-US" sz="2800" dirty="0" smtClean="0">
+              <a:rPr lang="en-GB" altLang="en-US" sz="2800" dirty="0">
                 <a:latin typeface="+mn-lt"/>
                 <a:cs typeface="Calibri" panose="020F0502020204030204" pitchFamily="34" charset="0"/>
               </a:rPr>
               <a:t>CDL comments follow "//" symbols. They are not part of </a:t>
             </a:r>
             <a:r>
-              <a:rPr lang="en-GB" altLang="en-US" sz="2800" dirty="0" err="1" smtClean="0">
+              <a:rPr lang="en-GB" altLang="en-US" sz="2800" dirty="0" err="1">
                 <a:latin typeface="+mn-lt"/>
                 <a:cs typeface="Calibri" panose="020F0502020204030204" pitchFamily="34" charset="0"/>
               </a:rPr>
               <a:t>netCDF</a:t>
             </a:r>
             <a:r>
-              <a:rPr lang="en-GB" altLang="en-US" sz="2800" dirty="0" smtClean="0">
+              <a:rPr lang="en-GB" altLang="en-US" sz="2800" dirty="0">
                 <a:latin typeface="+mn-lt"/>
                 <a:cs typeface="Calibri" panose="020F0502020204030204" pitchFamily="34" charset="0"/>
               </a:rPr>
@@ -7530,7 +7323,7 @@
               </a:spcBef>
               <a:defRPr/>
             </a:pPr>
-            <a:endParaRPr lang="en-GB" altLang="en-US" sz="1100" dirty="0" smtClean="0">
+            <a:endParaRPr lang="en-GB" altLang="en-US" sz="1100" dirty="0">
               <a:latin typeface="+mn-lt"/>
               <a:cs typeface="Calibri" panose="020F0502020204030204" pitchFamily="34" charset="0"/>
             </a:endParaRPr>
@@ -7543,35 +7336,35 @@
               <a:defRPr/>
             </a:pPr>
             <a:r>
-              <a:rPr lang="en-GB" altLang="en-US" sz="2800" dirty="0" smtClean="0">
+              <a:rPr lang="en-GB" altLang="en-US" sz="2800" dirty="0">
                 <a:latin typeface="+mn-lt"/>
                 <a:cs typeface="Calibri" panose="020F0502020204030204" pitchFamily="34" charset="0"/>
               </a:rPr>
               <a:t>You can use the </a:t>
             </a:r>
             <a:r>
-              <a:rPr lang="en-GB" altLang="en-US" sz="2800" b="1" dirty="0" err="1" smtClean="0">
+              <a:rPr lang="en-GB" altLang="en-US" sz="2800" b="1" dirty="0" err="1">
                 <a:latin typeface="+mn-lt"/>
                 <a:cs typeface="Calibri" panose="020F0502020204030204" pitchFamily="34" charset="0"/>
               </a:rPr>
               <a:t>ncdump</a:t>
             </a:r>
             <a:r>
-              <a:rPr lang="en-GB" altLang="en-US" sz="2800" dirty="0" smtClean="0">
+              <a:rPr lang="en-GB" altLang="en-US" sz="2800" dirty="0">
                 <a:latin typeface="+mn-lt"/>
                 <a:cs typeface="Calibri" panose="020F0502020204030204" pitchFamily="34" charset="0"/>
               </a:rPr>
               <a:t> utility to get the CDL form of a binary </a:t>
             </a:r>
             <a:r>
-              <a:rPr lang="en-GB" altLang="en-US" sz="2800" dirty="0" err="1" smtClean="0">
+              <a:rPr lang="en-GB" altLang="en-US" sz="2800" dirty="0" err="1">
                 <a:latin typeface="+mn-lt"/>
                 <a:cs typeface="Calibri" panose="020F0502020204030204" pitchFamily="34" charset="0"/>
               </a:rPr>
               <a:t>netCDF</a:t>
             </a:r>
             <a:r>
-              <a:rPr lang="en-GB" altLang="en-US" sz="2800" dirty="0" smtClean="0">
+              <a:rPr lang="en-GB" altLang="en-US" sz="2800" dirty="0">
                 <a:latin typeface="+mn-lt"/>
                 <a:cs typeface="Calibri" panose="020F0502020204030204" pitchFamily="34" charset="0"/>
               </a:rPr>
@@ -7586,35 +7379,35 @@
               <a:defRPr/>
             </a:pPr>
             <a:r>
-              <a:rPr lang="en-GB" altLang="en-US" sz="2800" dirty="0" smtClean="0">
+              <a:rPr lang="en-GB" altLang="en-US" sz="2800" dirty="0">
                 <a:latin typeface="+mn-lt"/>
                 <a:cs typeface="Calibri" panose="020F0502020204030204" pitchFamily="34" charset="0"/>
               </a:rPr>
               <a:t>You can use the </a:t>
             </a:r>
             <a:r>
-              <a:rPr lang="en-GB" altLang="en-US" sz="2800" b="1" dirty="0" err="1" smtClean="0">
+              <a:rPr lang="en-GB" altLang="en-US" sz="2800" b="1" dirty="0" err="1">
                 <a:latin typeface="+mn-lt"/>
                 <a:cs typeface="Calibri" panose="020F0502020204030204" pitchFamily="34" charset="0"/>
               </a:rPr>
               <a:t>ncgen</a:t>
             </a:r>
             <a:r>
-              <a:rPr lang="en-GB" altLang="en-US" sz="2800" dirty="0" smtClean="0">
+              <a:rPr lang="en-GB" altLang="en-US" sz="2800" dirty="0">
                 <a:latin typeface="+mn-lt"/>
                 <a:cs typeface="Calibri" panose="020F0502020204030204" pitchFamily="34" charset="0"/>
               </a:rPr>
               <a:t> utility to generate a binary </a:t>
             </a:r>
             <a:r>
-              <a:rPr lang="en-GB" altLang="en-US" sz="2800" dirty="0" err="1" smtClean="0">
+              <a:rPr lang="en-GB" altLang="en-US" sz="2800" dirty="0" err="1">
                 <a:latin typeface="+mn-lt"/>
                 <a:cs typeface="Calibri" panose="020F0502020204030204" pitchFamily="34" charset="0"/>
               </a:rPr>
               <a:t>netCDF</a:t>
             </a:r>
             <a:r>
-              <a:rPr lang="en-GB" altLang="en-US" sz="2800" dirty="0" smtClean="0">
+              <a:rPr lang="en-GB" altLang="en-US" sz="2800" dirty="0">
                 <a:latin typeface="+mn-lt"/>
                 <a:cs typeface="Calibri" panose="020F0502020204030204" pitchFamily="34" charset="0"/>
               </a:rPr>
@@ -7629,21 +7422,21 @@
               <a:defRPr/>
             </a:pPr>
             <a:r>
-              <a:rPr lang="en-GB" altLang="en-US" sz="2800" dirty="0" smtClean="0">
+              <a:rPr lang="en-GB" altLang="en-US" sz="2800" dirty="0">
                 <a:latin typeface="+mn-lt"/>
                 <a:cs typeface="Calibri" panose="020F0502020204030204" pitchFamily="34" charset="0"/>
               </a:rPr>
               <a:t>This simple example neglects some recommended best practices for </a:t>
             </a:r>
             <a:r>
-              <a:rPr lang="en-GB" altLang="en-US" sz="2800" dirty="0" err="1" smtClean="0">
+              <a:rPr lang="en-GB" altLang="en-US" sz="2800" dirty="0" err="1">
                 <a:latin typeface="+mn-lt"/>
                 <a:cs typeface="Calibri" panose="020F0502020204030204" pitchFamily="34" charset="0"/>
               </a:rPr>
               <a:t>netCDF</a:t>
             </a:r>
             <a:r>
-              <a:rPr lang="en-GB" altLang="en-US" sz="2800" dirty="0" smtClean="0">
+              <a:rPr lang="en-GB" altLang="en-US" sz="2800" dirty="0">
                 <a:latin typeface="+mn-lt"/>
                 <a:cs typeface="Calibri" panose="020F0502020204030204" pitchFamily="34" charset="0"/>
               </a:rPr>
@@ -7839,7 +7632,7 @@
           <a:lstStyle/>
           <a:p>
             <a:r>
-              <a:rPr lang="en-US" altLang="en-US" sz="4000" b="1" smtClean="0"/>
+              <a:rPr lang="en-US" altLang="en-US" sz="4000" b="1"/>
               <a:t>Writing a NetCDF file with ncgen</a:t>
             </a:r>
           </a:p>
@@ -7879,11 +7672,11 @@
               <a:defRPr/>
             </a:pPr>
             <a:r>
-              <a:rPr lang="en-US" altLang="en-US" dirty="0" err="1" smtClean="0"/>
+              <a:rPr lang="en-US" altLang="en-US" dirty="0" err="1"/>
               <a:t>ncgen</a:t>
             </a:r>
             <a:r>
-              <a:rPr lang="en-US" altLang="en-US" dirty="0" smtClean="0"/>
+              <a:rPr lang="en-US" altLang="en-US" dirty="0"/>
               <a:t> can be used to:</a:t>
             </a:r>
           </a:p>
@@ -7897,7 +7690,7 @@
               </a:spcAft>
               <a:defRPr/>
             </a:pPr>
-            <a:endParaRPr lang="en-US" altLang="en-US" dirty="0" smtClean="0"/>
+            <a:endParaRPr lang="en-US" altLang="en-US" dirty="0"/>
           </a:p>
           <a:p>
             <a:pPr fontAlgn="auto">
@@ -7910,7 +7703,7 @@
               <a:defRPr/>
             </a:pPr>
             <a:r>
-              <a:rPr lang="en-US" altLang="en-US" dirty="0" smtClean="0"/>
+              <a:rPr lang="en-US" altLang="en-US" dirty="0"/>
               <a:t>Generate a NetCDF file</a:t>
             </a:r>
           </a:p>
@@ -7927,33 +7720,33 @@
               <a:defRPr/>
             </a:pPr>
             <a:r>
-              <a:rPr lang="en-US" altLang="en-US" dirty="0" smtClean="0">
+              <a:rPr lang="en-US" altLang="en-US" dirty="0">
                 <a:latin typeface="Courier"/>
               </a:rPr>
               <a:t>   </a:t>
             </a:r>
             <a:r>
-              <a:rPr lang="en-US" altLang="en-US" dirty="0" err="1" smtClean="0">
+              <a:rPr lang="en-US" altLang="en-US" dirty="0" err="1">
                 <a:latin typeface="Courier New" panose="02070309020205020404" pitchFamily="49" charset="0"/>
                 <a:cs typeface="Courier New" panose="02070309020205020404" pitchFamily="49" charset="0"/>
               </a:rPr>
               <a:t>ncgen</a:t>
             </a:r>
             <a:r>
-              <a:rPr lang="en-US" altLang="en-US" dirty="0" smtClean="0">
+              <a:rPr lang="en-US" altLang="en-US" dirty="0">
                 <a:latin typeface="Courier New" panose="02070309020205020404" pitchFamily="49" charset="0"/>
                 <a:cs typeface="Courier New" panose="02070309020205020404" pitchFamily="49" charset="0"/>
               </a:rPr>
               <a:t> -o mydata.nc </a:t>
             </a:r>
             <a:r>
-              <a:rPr lang="en-US" altLang="en-US" dirty="0" err="1" smtClean="0">
+              <a:rPr lang="en-US" altLang="en-US" dirty="0" err="1">
                 <a:latin typeface="Courier New" panose="02070309020205020404" pitchFamily="49" charset="0"/>
                 <a:cs typeface="Courier New" panose="02070309020205020404" pitchFamily="49" charset="0"/>
               </a:rPr>
               <a:t>mydata.cdl</a:t>
             </a:r>
-            <a:endParaRPr lang="en-US" altLang="en-US" dirty="0" smtClean="0">
+            <a:endParaRPr lang="en-US" altLang="en-US" dirty="0">
               <a:latin typeface="Courier New" panose="02070309020205020404" pitchFamily="49" charset="0"/>
               <a:cs typeface="Courier New" panose="02070309020205020404" pitchFamily="49" charset="0"/>
             </a:endParaRPr>
@@ -7970,7 +7763,7 @@
               <a:buNone/>
               <a:defRPr/>
             </a:pPr>
-            <a:endParaRPr lang="en-US" altLang="en-US" dirty="0" smtClean="0"/>
+            <a:endParaRPr lang="en-US" altLang="en-US" dirty="0"/>
           </a:p>
           <a:p>
             <a:pPr fontAlgn="auto">
@@ -7983,7 +7776,7 @@
               <a:defRPr/>
             </a:pPr>
             <a:r>
-              <a:rPr lang="en-US" altLang="en-US" dirty="0" smtClean="0"/>
+              <a:rPr lang="en-US" altLang="en-US" dirty="0"/>
               <a:t>Generate code that will produce a NetCDF file</a:t>
             </a:r>
           </a:p>
@@ -7998,16 +7791,8 @@
               <a:defRPr/>
             </a:pPr>
             <a:r>
-              <a:rPr lang="en-US" altLang="en-US" dirty="0" smtClean="0"/>
-              <a:t> Fortran: </a:t>
-            </a:r>
-            <a:r>
               <a:rPr lang="en-US" altLang="en-US" dirty="0"/>
-              <a:t> </a:t>
-            </a:r>
-            <a:r>
-              <a:rPr lang="en-US" altLang="en-US" dirty="0" smtClean="0"/>
-              <a:t> </a:t>
+              <a:t> Fortran:   </a:t>
             </a:r>
           </a:p>
           <a:p>
@@ -8027,35 +7812,21 @@
                 <a:latin typeface="Courier New" panose="02070309020205020404" pitchFamily="49" charset="0"/>
                 <a:cs typeface="Courier New" panose="02070309020205020404" pitchFamily="49" charset="0"/>
               </a:rPr>
-              <a:t> </a:t>
-            </a:r>
-            <a:r>
-              <a:rPr lang="en-US" altLang="en-US" dirty="0" smtClean="0">
-                <a:latin typeface="Courier New" panose="02070309020205020404" pitchFamily="49" charset="0"/>
-                <a:cs typeface="Courier New" panose="02070309020205020404" pitchFamily="49" charset="0"/>
-              </a:rPr>
-              <a:t> </a:t>
-            </a:r>
-            <a:r>
-              <a:rPr lang="en-US" altLang="en-US" dirty="0" err="1" smtClean="0">
+              <a:t>  </a:t>
+            </a:r>
+            <a:r>
+              <a:rPr lang="en-US" altLang="en-US" dirty="0" err="1">
                 <a:latin typeface="Courier New" panose="02070309020205020404" pitchFamily="49" charset="0"/>
                 <a:cs typeface="Courier New" panose="02070309020205020404" pitchFamily="49" charset="0"/>
               </a:rPr>
               <a:t>ncgen</a:t>
             </a:r>
             <a:r>
-              <a:rPr lang="en-US" altLang="en-US" dirty="0" smtClean="0">
-                <a:latin typeface="Courier New" panose="02070309020205020404" pitchFamily="49" charset="0"/>
-                <a:cs typeface="Courier New" panose="02070309020205020404" pitchFamily="49" charset="0"/>
-              </a:rPr>
-              <a:t> </a:t>
-            </a:r>
-            <a:r>
               <a:rPr lang="en-US" altLang="en-US" dirty="0">
                 <a:latin typeface="Courier New" panose="02070309020205020404" pitchFamily="49" charset="0"/>
                 <a:cs typeface="Courier New" panose="02070309020205020404" pitchFamily="49" charset="0"/>
               </a:rPr>
-              <a:t>-f </a:t>
+              <a:t> -f </a:t>
             </a:r>
             <a:r>
               <a:rPr lang="en-US" altLang="en-US" dirty="0" err="1">
@@ -8094,7 +7865,7 @@
               <a:defRPr/>
             </a:pPr>
             <a:r>
-              <a:rPr lang="en-US" altLang="en-US" dirty="0" smtClean="0"/>
+              <a:rPr lang="en-US" altLang="en-US" dirty="0"/>
               <a:t> C:   </a:t>
             </a:r>
           </a:p>
@@ -8115,35 +7886,21 @@
                 <a:latin typeface="Courier New" panose="02070309020205020404" pitchFamily="49" charset="0"/>
                 <a:cs typeface="Courier New" panose="02070309020205020404" pitchFamily="49" charset="0"/>
               </a:rPr>
-              <a:t> </a:t>
-            </a:r>
-            <a:r>
-              <a:rPr lang="en-US" altLang="en-US" dirty="0" smtClean="0">
-                <a:latin typeface="Courier New" panose="02070309020205020404" pitchFamily="49" charset="0"/>
-                <a:cs typeface="Courier New" panose="02070309020205020404" pitchFamily="49" charset="0"/>
-              </a:rPr>
-              <a:t> </a:t>
-            </a:r>
-            <a:r>
-              <a:rPr lang="en-US" altLang="en-US" dirty="0" err="1" smtClean="0">
+              <a:t>  </a:t>
+            </a:r>
+            <a:r>
+              <a:rPr lang="en-US" altLang="en-US" dirty="0" err="1">
                 <a:latin typeface="Courier New" panose="02070309020205020404" pitchFamily="49" charset="0"/>
                 <a:cs typeface="Courier New" panose="02070309020205020404" pitchFamily="49" charset="0"/>
               </a:rPr>
               <a:t>ncgen</a:t>
             </a:r>
             <a:r>
-              <a:rPr lang="en-US" altLang="en-US" dirty="0" smtClean="0">
-                <a:latin typeface="Courier New" panose="02070309020205020404" pitchFamily="49" charset="0"/>
-                <a:cs typeface="Courier New" panose="02070309020205020404" pitchFamily="49" charset="0"/>
-              </a:rPr>
-              <a:t> </a:t>
-            </a:r>
-            <a:r>
               <a:rPr lang="en-US" altLang="en-US" dirty="0">
                 <a:latin typeface="Courier New" panose="02070309020205020404" pitchFamily="49" charset="0"/>
                 <a:cs typeface="Courier New" panose="02070309020205020404" pitchFamily="49" charset="0"/>
               </a:rPr>
-              <a:t>-c </a:t>
+              <a:t> -c </a:t>
             </a:r>
             <a:r>
               <a:rPr lang="en-US" altLang="en-US" dirty="0" err="1">
@@ -8183,7 +7940,7 @@
               <a:buNone/>
               <a:defRPr/>
             </a:pPr>
-            <a:endParaRPr lang="en-US" altLang="en-US" dirty="0" smtClean="0"/>
+            <a:endParaRPr lang="en-US" altLang="en-US" dirty="0"/>
           </a:p>
           <a:p>
             <a:pPr marL="457200" lvl="1" indent="0" fontAlgn="auto">
@@ -8197,7 +7954,7 @@
               <a:buNone/>
               <a:defRPr/>
             </a:pPr>
-            <a:endParaRPr lang="en-US" altLang="en-US" dirty="0" smtClean="0"/>
+            <a:endParaRPr lang="en-US" altLang="en-US" dirty="0"/>
           </a:p>
         </p:txBody>
       </p:sp>
